--- a/reference_material/slides/012_algo_interface_errors.pptx
+++ b/reference_material/slides/012_algo_interface_errors.pptx
@@ -117,6 +117,11 @@
       </a:defRPr>
     </a:lvl9pPr>
   </p:defaultTextStyle>
+  <p:extLst>
+    <p:ext uri="{EFAFB233-063F-42B5-8137-9DF3F51BA10A}">
+      <p15:sldGuideLst xmlns:p15="http://schemas.microsoft.com/office/powerpoint/2012/main"/>
+    </p:ext>
+  </p:extLst>
 </p:presentation>
 </file>
 
@@ -453,7 +458,7 @@
           <a:p>
             <a:fld id="{CDD7AE90-D4ED-B742-8801-D236B24CE1B5}" type="datetimeFigureOut">
               <a:rPr lang="en-US" smtClean="0"/>
-              <a:t>9/28/23</a:t>
+              <a:t>10/1/2024</a:t>
             </a:fld>
             <a:endParaRPr lang="en-US"/>
           </a:p>
@@ -664,7 +669,7 @@
           <a:p>
             <a:fld id="{CDD7AE90-D4ED-B742-8801-D236B24CE1B5}" type="datetimeFigureOut">
               <a:rPr lang="en-US" smtClean="0"/>
-              <a:t>9/28/23</a:t>
+              <a:t>10/1/2024</a:t>
             </a:fld>
             <a:endParaRPr lang="en-US"/>
           </a:p>
@@ -879,7 +884,7 @@
           <a:p>
             <a:fld id="{CDD7AE90-D4ED-B742-8801-D236B24CE1B5}" type="datetimeFigureOut">
               <a:rPr lang="en-US" smtClean="0"/>
-              <a:t>9/28/23</a:t>
+              <a:t>10/1/2024</a:t>
             </a:fld>
             <a:endParaRPr lang="en-US"/>
           </a:p>
@@ -1080,7 +1085,7 @@
           <a:p>
             <a:fld id="{CDD7AE90-D4ED-B742-8801-D236B24CE1B5}" type="datetimeFigureOut">
               <a:rPr lang="en-US" smtClean="0"/>
-              <a:t>9/28/23</a:t>
+              <a:t>10/1/2024</a:t>
             </a:fld>
             <a:endParaRPr lang="en-US"/>
           </a:p>
@@ -1359,7 +1364,7 @@
           <a:p>
             <a:fld id="{CDD7AE90-D4ED-B742-8801-D236B24CE1B5}" type="datetimeFigureOut">
               <a:rPr lang="en-US" smtClean="0"/>
-              <a:t>9/28/23</a:t>
+              <a:t>10/1/2024</a:t>
             </a:fld>
             <a:endParaRPr lang="en-US"/>
           </a:p>
@@ -1627,7 +1632,7 @@
           <a:p>
             <a:fld id="{CDD7AE90-D4ED-B742-8801-D236B24CE1B5}" type="datetimeFigureOut">
               <a:rPr lang="en-US" smtClean="0"/>
-              <a:t>9/28/23</a:t>
+              <a:t>10/1/2024</a:t>
             </a:fld>
             <a:endParaRPr lang="en-US"/>
           </a:p>
@@ -2043,7 +2048,7 @@
           <a:p>
             <a:fld id="{CDD7AE90-D4ED-B742-8801-D236B24CE1B5}" type="datetimeFigureOut">
               <a:rPr lang="en-US" smtClean="0"/>
-              <a:t>9/28/23</a:t>
+              <a:t>10/1/2024</a:t>
             </a:fld>
             <a:endParaRPr lang="en-US"/>
           </a:p>
@@ -2192,7 +2197,7 @@
           <a:p>
             <a:fld id="{CDD7AE90-D4ED-B742-8801-D236B24CE1B5}" type="datetimeFigureOut">
               <a:rPr lang="en-US" smtClean="0"/>
-              <a:t>9/28/23</a:t>
+              <a:t>10/1/2024</a:t>
             </a:fld>
             <a:endParaRPr lang="en-US"/>
           </a:p>
@@ -2318,7 +2323,7 @@
           <a:p>
             <a:fld id="{CDD7AE90-D4ED-B742-8801-D236B24CE1B5}" type="datetimeFigureOut">
               <a:rPr lang="en-US" smtClean="0"/>
-              <a:t>9/28/23</a:t>
+              <a:t>10/1/2024</a:t>
             </a:fld>
             <a:endParaRPr lang="en-US"/>
           </a:p>
@@ -2569,7 +2574,7 @@
           <a:p>
             <a:fld id="{CDD7AE90-D4ED-B742-8801-D236B24CE1B5}" type="datetimeFigureOut">
               <a:rPr lang="en-US" smtClean="0"/>
-              <a:t>9/28/23</a:t>
+              <a:t>10/1/2024</a:t>
             </a:fld>
             <a:endParaRPr lang="en-US"/>
           </a:p>
@@ -3014,7 +3019,7 @@
           <a:p>
             <a:fld id="{CDD7AE90-D4ED-B742-8801-D236B24CE1B5}" type="datetimeFigureOut">
               <a:rPr lang="en-US" smtClean="0"/>
-              <a:t>9/28/23</a:t>
+              <a:t>10/1/2024</a:t>
             </a:fld>
             <a:endParaRPr lang="en-US"/>
           </a:p>
@@ -3341,7 +3346,7 @@
           <a:p>
             <a:fld id="{CDD7AE90-D4ED-B742-8801-D236B24CE1B5}" type="datetimeFigureOut">
               <a:rPr lang="en-US" smtClean="0"/>
-              <a:t>9/28/23</a:t>
+              <a:t>10/1/2024</a:t>
             </a:fld>
             <a:endParaRPr lang="en-US"/>
           </a:p>
@@ -4553,174 +4558,104 @@
           <a:chExt cx="0" cy="0"/>
         </a:xfrm>
       </p:grpSpPr>
-      <p:grpSp>
-        <p:nvGrpSpPr>
-          <p:cNvPr id="8" name="Group 7">
+      <p:sp>
+        <p:nvSpPr>
+          <p:cNvPr id="4" name="Process 3">
             <a:extLst>
               <a:ext uri="{FF2B5EF4-FFF2-40B4-BE49-F238E27FC236}">
-                <a16:creationId xmlns:a16="http://schemas.microsoft.com/office/drawing/2014/main" id="{9CE9C162-D317-CB62-00AC-3E5BC0F1464D}"/>
+                <a16:creationId xmlns:a16="http://schemas.microsoft.com/office/drawing/2014/main" id="{5DAC55D0-F14E-633D-0D8B-93A0D01A0C24}"/>
               </a:ext>
             </a:extLst>
           </p:cNvPr>
-          <p:cNvGrpSpPr/>
+          <p:cNvSpPr/>
           <p:nvPr/>
-        </p:nvGrpSpPr>
-        <p:grpSpPr>
-          <a:xfrm>
-            <a:off x="3122230" y="3862351"/>
-            <a:ext cx="5389428" cy="1162878"/>
-            <a:chOff x="1938129" y="3210339"/>
-            <a:chExt cx="5389428" cy="1162878"/>
-          </a:xfrm>
-        </p:grpSpPr>
-        <p:sp>
-          <p:nvSpPr>
-            <p:cNvPr id="4" name="Process 3">
-              <a:extLst>
-                <a:ext uri="{FF2B5EF4-FFF2-40B4-BE49-F238E27FC236}">
-                  <a16:creationId xmlns:a16="http://schemas.microsoft.com/office/drawing/2014/main" id="{5DAC55D0-F14E-633D-0D8B-93A0D01A0C24}"/>
-                </a:ext>
-              </a:extLst>
-            </p:cNvPr>
-            <p:cNvSpPr/>
-            <p:nvPr/>
-          </p:nvSpPr>
-          <p:spPr>
-            <a:xfrm>
-              <a:off x="3458817" y="3210339"/>
-              <a:ext cx="1918253" cy="1162878"/>
-            </a:xfrm>
-            <a:prstGeom prst="flowChartProcess">
-              <a:avLst/>
-            </a:prstGeom>
-          </p:spPr>
-          <p:style>
-            <a:lnRef idx="2">
-              <a:schemeClr val="accent1">
-                <a:shade val="15000"/>
-              </a:schemeClr>
-            </a:lnRef>
-            <a:fillRef idx="1">
-              <a:schemeClr val="accent1"/>
-            </a:fillRef>
-            <a:effectRef idx="0">
-              <a:schemeClr val="accent1"/>
-            </a:effectRef>
-            <a:fontRef idx="minor">
-              <a:schemeClr val="lt1"/>
-            </a:fontRef>
-          </p:style>
-          <p:txBody>
-            <a:bodyPr rtlCol="0" anchor="ctr"/>
-            <a:lstStyle/>
-            <a:p>
-              <a:pPr algn="ctr"/>
-              <a:r>
-                <a:rPr lang="en-US" dirty="0"/>
-                <a:t>Our Function</a:t>
-              </a:r>
-            </a:p>
-          </p:txBody>
-        </p:sp>
-        <p:sp>
-          <p:nvSpPr>
-            <p:cNvPr id="5" name="Right Arrow 4">
-              <a:extLst>
-                <a:ext uri="{FF2B5EF4-FFF2-40B4-BE49-F238E27FC236}">
-                  <a16:creationId xmlns:a16="http://schemas.microsoft.com/office/drawing/2014/main" id="{DF0EF564-C3E6-6AF8-380D-028735BECA30}"/>
-                </a:ext>
-              </a:extLst>
-            </p:cNvPr>
-            <p:cNvSpPr/>
-            <p:nvPr/>
-          </p:nvSpPr>
-          <p:spPr>
-            <a:xfrm>
-              <a:off x="1938129" y="3533361"/>
-              <a:ext cx="1520687" cy="519655"/>
-            </a:xfrm>
-            <a:prstGeom prst="rightArrow">
-              <a:avLst/>
-            </a:prstGeom>
-          </p:spPr>
-          <p:style>
-            <a:lnRef idx="2">
-              <a:schemeClr val="accent1">
-                <a:shade val="15000"/>
-              </a:schemeClr>
-            </a:lnRef>
-            <a:fillRef idx="1">
-              <a:schemeClr val="accent1"/>
-            </a:fillRef>
-            <a:effectRef idx="0">
-              <a:schemeClr val="accent1"/>
-            </a:effectRef>
-            <a:fontRef idx="minor">
-              <a:schemeClr val="lt1"/>
-            </a:fontRef>
-          </p:style>
-          <p:txBody>
-            <a:bodyPr rtlCol="0" anchor="ctr"/>
-            <a:lstStyle/>
-            <a:p>
-              <a:pPr algn="ctr"/>
-              <a:r>
-                <a:rPr lang="en-US" dirty="0"/>
-                <a:t>Inputs</a:t>
-              </a:r>
-            </a:p>
-          </p:txBody>
-        </p:sp>
-        <p:sp>
-          <p:nvSpPr>
-            <p:cNvPr id="6" name="Right Arrow 5">
-              <a:extLst>
-                <a:ext uri="{FF2B5EF4-FFF2-40B4-BE49-F238E27FC236}">
-                  <a16:creationId xmlns:a16="http://schemas.microsoft.com/office/drawing/2014/main" id="{2667EA6F-8574-A18C-BFF2-E828B9B2AE9B}"/>
-                </a:ext>
-              </a:extLst>
-            </p:cNvPr>
-            <p:cNvSpPr/>
-            <p:nvPr/>
-          </p:nvSpPr>
-          <p:spPr>
-            <a:xfrm flipV="1">
-              <a:off x="5496339" y="3583849"/>
-              <a:ext cx="1831218" cy="605092"/>
-            </a:xfrm>
-            <a:prstGeom prst="rightArrow">
-              <a:avLst/>
-            </a:prstGeom>
-          </p:spPr>
-          <p:style>
-            <a:lnRef idx="2">
-              <a:schemeClr val="accent1">
-                <a:shade val="15000"/>
-              </a:schemeClr>
-            </a:lnRef>
-            <a:fillRef idx="1">
-              <a:schemeClr val="accent1"/>
-            </a:fillRef>
-            <a:effectRef idx="0">
-              <a:schemeClr val="accent1"/>
-            </a:effectRef>
-            <a:fontRef idx="minor">
-              <a:schemeClr val="lt1"/>
-            </a:fontRef>
-          </p:style>
-          <p:txBody>
-            <a:bodyPr rtlCol="0" anchor="ctr"/>
-            <a:lstStyle/>
-            <a:p>
-              <a:pPr algn="ctr"/>
-              <a:r>
-                <a:rPr lang="en-US" dirty="0"/>
-                <a:t>Outputs</a:t>
-              </a:r>
-            </a:p>
-          </p:txBody>
-        </p:sp>
-      </p:grpSp>
+        </p:nvSpPr>
+        <p:spPr>
+          <a:xfrm>
+            <a:off x="4642918" y="3862351"/>
+            <a:ext cx="1918253" cy="1162878"/>
+          </a:xfrm>
+          <a:prstGeom prst="flowChartProcess">
+            <a:avLst/>
+          </a:prstGeom>
+        </p:spPr>
+        <p:style>
+          <a:lnRef idx="2">
+            <a:schemeClr val="accent1">
+              <a:shade val="15000"/>
+            </a:schemeClr>
+          </a:lnRef>
+          <a:fillRef idx="1">
+            <a:schemeClr val="accent1"/>
+          </a:fillRef>
+          <a:effectRef idx="0">
+            <a:schemeClr val="accent1"/>
+          </a:effectRef>
+          <a:fontRef idx="minor">
+            <a:schemeClr val="lt1"/>
+          </a:fontRef>
+        </p:style>
+        <p:txBody>
+          <a:bodyPr rtlCol="0" anchor="ctr"/>
+          <a:lstStyle/>
+          <a:p>
+            <a:pPr algn="ctr"/>
+            <a:r>
+              <a:rPr lang="en-US" dirty="0"/>
+              <a:t>Our Function</a:t>
+            </a:r>
+          </a:p>
+        </p:txBody>
+      </p:sp>
+      <p:sp>
+        <p:nvSpPr>
+          <p:cNvPr id="5" name="Right Arrow 4">
+            <a:extLst>
+              <a:ext uri="{FF2B5EF4-FFF2-40B4-BE49-F238E27FC236}">
+                <a16:creationId xmlns:a16="http://schemas.microsoft.com/office/drawing/2014/main" id="{DF0EF564-C3E6-6AF8-380D-028735BECA30}"/>
+              </a:ext>
+            </a:extLst>
+          </p:cNvPr>
+          <p:cNvSpPr/>
+          <p:nvPr/>
+        </p:nvSpPr>
+        <p:spPr>
+          <a:xfrm>
+            <a:off x="3122230" y="4185373"/>
+            <a:ext cx="1520687" cy="519655"/>
+          </a:xfrm>
+          <a:prstGeom prst="rightArrow">
+            <a:avLst/>
+          </a:prstGeom>
+        </p:spPr>
+        <p:style>
+          <a:lnRef idx="2">
+            <a:schemeClr val="accent1">
+              <a:shade val="15000"/>
+            </a:schemeClr>
+          </a:lnRef>
+          <a:fillRef idx="1">
+            <a:schemeClr val="accent1"/>
+          </a:fillRef>
+          <a:effectRef idx="0">
+            <a:schemeClr val="accent1"/>
+          </a:effectRef>
+          <a:fontRef idx="minor">
+            <a:schemeClr val="lt1"/>
+          </a:fontRef>
+        </p:style>
+        <p:txBody>
+          <a:bodyPr rtlCol="0" anchor="ctr"/>
+          <a:lstStyle/>
+          <a:p>
+            <a:pPr algn="ctr"/>
+            <a:r>
+              <a:rPr lang="en-US" dirty="0"/>
+              <a:t>Inputs</a:t>
+            </a:r>
+          </a:p>
+        </p:txBody>
+      </p:sp>
       <p:sp>
         <p:nvSpPr>
           <p:cNvPr id="7" name="Process 6">
@@ -4944,8 +4879,8 @@
           </a:p>
         </p:txBody>
       </p:sp>
-      <mc:AlternateContent xmlns:mc="http://schemas.openxmlformats.org/markup-compatibility/2006">
-        <mc:Choice xmlns:p14="http://schemas.microsoft.com/office/powerpoint/2010/main" Requires="p14">
+      <mc:AlternateContent xmlns:mc="http://schemas.openxmlformats.org/markup-compatibility/2006" xmlns:p14="http://schemas.microsoft.com/office/powerpoint/2010/main">
+        <mc:Choice Requires="p14">
           <p:contentPart p14:bwMode="auto" r:id="rId2">
             <p14:nvContentPartPr>
               <p14:cNvPr id="13" name="Ink 12">
@@ -4964,7 +4899,7 @@
             </p14:xfrm>
           </p:contentPart>
         </mc:Choice>
-        <mc:Fallback>
+        <mc:Fallback xmlns="">
           <p:pic>
             <p:nvPicPr>
               <p:cNvPr id="13" name="Ink 12">
@@ -5015,8 +4950,8 @@
             <a:chExt cx="1618920" cy="2579040"/>
           </a:xfrm>
         </p:grpSpPr>
-        <mc:AlternateContent xmlns:mc="http://schemas.openxmlformats.org/markup-compatibility/2006">
-          <mc:Choice xmlns:p14="http://schemas.microsoft.com/office/powerpoint/2010/main" Requires="p14">
+        <mc:AlternateContent xmlns:mc="http://schemas.openxmlformats.org/markup-compatibility/2006" xmlns:p14="http://schemas.microsoft.com/office/powerpoint/2010/main">
+          <mc:Choice Requires="p14">
             <p:contentPart p14:bwMode="auto" r:id="rId4">
               <p14:nvContentPartPr>
                 <p14:cNvPr id="14" name="Ink 13">
@@ -5035,7 +4970,7 @@
               </p14:xfrm>
             </p:contentPart>
           </mc:Choice>
-          <mc:Fallback>
+          <mc:Fallback xmlns="">
             <p:pic>
               <p:nvPicPr>
                 <p:cNvPr id="14" name="Ink 13">
@@ -5066,8 +5001,8 @@
             </p:pic>
           </mc:Fallback>
         </mc:AlternateContent>
-        <mc:AlternateContent xmlns:mc="http://schemas.openxmlformats.org/markup-compatibility/2006">
-          <mc:Choice xmlns:p14="http://schemas.microsoft.com/office/powerpoint/2010/main" Requires="p14">
+        <mc:AlternateContent xmlns:mc="http://schemas.openxmlformats.org/markup-compatibility/2006" xmlns:p14="http://schemas.microsoft.com/office/powerpoint/2010/main">
+          <mc:Choice Requires="p14">
             <p:contentPart p14:bwMode="auto" r:id="rId6">
               <p14:nvContentPartPr>
                 <p14:cNvPr id="15" name="Ink 14">
@@ -5086,7 +5021,7 @@
               </p14:xfrm>
             </p:contentPart>
           </mc:Choice>
-          <mc:Fallback>
+          <mc:Fallback xmlns="">
             <p:pic>
               <p:nvPicPr>
                 <p:cNvPr id="15" name="Ink 14">
@@ -5117,8 +5052,8 @@
             </p:pic>
           </mc:Fallback>
         </mc:AlternateContent>
-        <mc:AlternateContent xmlns:mc="http://schemas.openxmlformats.org/markup-compatibility/2006">
-          <mc:Choice xmlns:p14="http://schemas.microsoft.com/office/powerpoint/2010/main" Requires="p14">
+        <mc:AlternateContent xmlns:mc="http://schemas.openxmlformats.org/markup-compatibility/2006" xmlns:p14="http://schemas.microsoft.com/office/powerpoint/2010/main">
+          <mc:Choice Requires="p14">
             <p:contentPart p14:bwMode="auto" r:id="rId8">
               <p14:nvContentPartPr>
                 <p14:cNvPr id="16" name="Ink 15">
@@ -5137,7 +5072,7 @@
               </p14:xfrm>
             </p:contentPart>
           </mc:Choice>
-          <mc:Fallback>
+          <mc:Fallback xmlns="">
             <p:pic>
               <p:nvPicPr>
                 <p:cNvPr id="16" name="Ink 15">
@@ -5169,8 +5104,8 @@
           </mc:Fallback>
         </mc:AlternateContent>
       </p:grpSp>
-      <mc:AlternateContent xmlns:mc="http://schemas.openxmlformats.org/markup-compatibility/2006">
-        <mc:Choice xmlns:p14="http://schemas.microsoft.com/office/powerpoint/2010/main" Requires="p14">
+      <mc:AlternateContent xmlns:mc="http://schemas.openxmlformats.org/markup-compatibility/2006" xmlns:p14="http://schemas.microsoft.com/office/powerpoint/2010/main">
+        <mc:Choice Requires="p14">
           <p:contentPart p14:bwMode="auto" r:id="rId10">
             <p14:nvContentPartPr>
               <p14:cNvPr id="18" name="Ink 17">
@@ -5189,7 +5124,7 @@
             </p14:xfrm>
           </p:contentPart>
         </mc:Choice>
-        <mc:Fallback>
+        <mc:Fallback xmlns="">
           <p:pic>
             <p:nvPicPr>
               <p:cNvPr id="18" name="Ink 17">
@@ -5364,8 +5299,8 @@
             <a:chExt cx="1956960" cy="5174640"/>
           </a:xfrm>
         </p:grpSpPr>
-        <mc:AlternateContent xmlns:mc="http://schemas.openxmlformats.org/markup-compatibility/2006">
-          <mc:Choice xmlns:p14="http://schemas.microsoft.com/office/powerpoint/2010/main" Requires="p14">
+        <mc:AlternateContent xmlns:mc="http://schemas.openxmlformats.org/markup-compatibility/2006" xmlns:p14="http://schemas.microsoft.com/office/powerpoint/2010/main">
+          <mc:Choice Requires="p14">
             <p:contentPart p14:bwMode="auto" r:id="rId12">
               <p14:nvContentPartPr>
                 <p14:cNvPr id="23" name="Ink 22">
@@ -5384,7 +5319,7 @@
               </p14:xfrm>
             </p:contentPart>
           </mc:Choice>
-          <mc:Fallback>
+          <mc:Fallback xmlns="">
             <p:pic>
               <p:nvPicPr>
                 <p:cNvPr id="23" name="Ink 22">
@@ -5415,8 +5350,8 @@
             </p:pic>
           </mc:Fallback>
         </mc:AlternateContent>
-        <mc:AlternateContent xmlns:mc="http://schemas.openxmlformats.org/markup-compatibility/2006">
-          <mc:Choice xmlns:p14="http://schemas.microsoft.com/office/powerpoint/2010/main" Requires="p14">
+        <mc:AlternateContent xmlns:mc="http://schemas.openxmlformats.org/markup-compatibility/2006" xmlns:p14="http://schemas.microsoft.com/office/powerpoint/2010/main">
+          <mc:Choice Requires="p14">
             <p:contentPart p14:bwMode="auto" r:id="rId14">
               <p14:nvContentPartPr>
                 <p14:cNvPr id="24" name="Ink 23">
@@ -5435,7 +5370,7 @@
               </p14:xfrm>
             </p:contentPart>
           </mc:Choice>
-          <mc:Fallback>
+          <mc:Fallback xmlns="">
             <p:pic>
               <p:nvPicPr>
                 <p:cNvPr id="24" name="Ink 23">
@@ -5498,6 +5433,55 @@
             <a:r>
               <a:rPr lang="en-US" dirty="0"/>
               <a:t>We supply these test cases.</a:t>
+            </a:r>
+          </a:p>
+        </p:txBody>
+      </p:sp>
+      <p:sp>
+        <p:nvSpPr>
+          <p:cNvPr id="2" name="Right Arrow 4">
+            <a:extLst>
+              <a:ext uri="{FF2B5EF4-FFF2-40B4-BE49-F238E27FC236}">
+                <a16:creationId xmlns:a16="http://schemas.microsoft.com/office/drawing/2014/main" id="{9041F98F-94E9-BAF7-4A1C-4BAC93D6286F}"/>
+              </a:ext>
+            </a:extLst>
+          </p:cNvPr>
+          <p:cNvSpPr/>
+          <p:nvPr/>
+        </p:nvSpPr>
+        <p:spPr>
+          <a:xfrm>
+            <a:off x="6669508" y="4148324"/>
+            <a:ext cx="1520687" cy="519655"/>
+          </a:xfrm>
+          <a:prstGeom prst="rightArrow">
+            <a:avLst/>
+          </a:prstGeom>
+        </p:spPr>
+        <p:style>
+          <a:lnRef idx="2">
+            <a:schemeClr val="accent1">
+              <a:shade val="15000"/>
+            </a:schemeClr>
+          </a:lnRef>
+          <a:fillRef idx="1">
+            <a:schemeClr val="accent1"/>
+          </a:fillRef>
+          <a:effectRef idx="0">
+            <a:schemeClr val="accent1"/>
+          </a:effectRef>
+          <a:fontRef idx="minor">
+            <a:schemeClr val="lt1"/>
+          </a:fontRef>
+        </p:style>
+        <p:txBody>
+          <a:bodyPr rtlCol="0" anchor="ctr"/>
+          <a:lstStyle/>
+          <a:p>
+            <a:pPr algn="ctr"/>
+            <a:r>
+              <a:rPr lang="en-US"/>
+              <a:t>Outputs</a:t>
             </a:r>
           </a:p>
         </p:txBody>
